--- a/Nyantter/プロ研発表会.pptx
+++ b/Nyantter/プロ研発表会.pptx
@@ -12,6 +12,7 @@
     <p:sldId id="260" r:id="rId6"/>
     <p:sldId id="261" r:id="rId7"/>
     <p:sldId id="262" r:id="rId8"/>
+    <p:sldId id="263" r:id="rId9"/>
   </p:sldIdLst>
   <p:sldSz cx="12192000" cy="6858000"/>
   <p:notesSz cx="6858000" cy="9144000"/>
@@ -110,6 +111,11 @@
       </a:defRPr>
     </a:lvl9pPr>
   </p:defaultTextStyle>
+  <p:extLst>
+    <p:ext uri="{EFAFB233-063F-42B5-8137-9DF3F51BA10A}">
+      <p15:sldGuideLst xmlns:p15="http://schemas.microsoft.com/office/powerpoint/2012/main"/>
+    </p:ext>
+  </p:extLst>
 </p:presentation>
 </file>
 
@@ -835,7 +841,7 @@
           <a:p>
             <a:fld id="{4D2CA88F-D701-4F7B-8396-4A6593E1761F}" type="datetimeFigureOut">
               <a:rPr kumimoji="1" lang="ja-JP" altLang="en-US" smtClean="0"/>
-              <a:t>2016/6/30</a:t>
+              <a:t>2016/7/1</a:t>
             </a:fld>
             <a:endParaRPr kumimoji="1" lang="ja-JP" altLang="en-US"/>
           </a:p>
@@ -1086,7 +1092,7 @@
           <a:p>
             <a:fld id="{4D2CA88F-D701-4F7B-8396-4A6593E1761F}" type="datetimeFigureOut">
               <a:rPr kumimoji="1" lang="ja-JP" altLang="en-US" smtClean="0"/>
-              <a:t>2016/6/30</a:t>
+              <a:t>2016/7/1</a:t>
             </a:fld>
             <a:endParaRPr kumimoji="1" lang="ja-JP" altLang="en-US"/>
           </a:p>
@@ -1400,7 +1406,7 @@
           <a:p>
             <a:fld id="{4D2CA88F-D701-4F7B-8396-4A6593E1761F}" type="datetimeFigureOut">
               <a:rPr kumimoji="1" lang="ja-JP" altLang="en-US" smtClean="0"/>
-              <a:t>2016/6/30</a:t>
+              <a:t>2016/7/1</a:t>
             </a:fld>
             <a:endParaRPr kumimoji="1" lang="ja-JP" altLang="en-US"/>
           </a:p>
@@ -1741,7 +1747,7 @@
           <a:p>
             <a:fld id="{4D2CA88F-D701-4F7B-8396-4A6593E1761F}" type="datetimeFigureOut">
               <a:rPr kumimoji="1" lang="ja-JP" altLang="en-US" smtClean="0"/>
-              <a:t>2016/6/30</a:t>
+              <a:t>2016/7/1</a:t>
             </a:fld>
             <a:endParaRPr kumimoji="1" lang="ja-JP" altLang="en-US"/>
           </a:p>
@@ -2055,7 +2061,7 @@
           <a:p>
             <a:fld id="{4D2CA88F-D701-4F7B-8396-4A6593E1761F}" type="datetimeFigureOut">
               <a:rPr kumimoji="1" lang="ja-JP" altLang="en-US" smtClean="0"/>
-              <a:t>2016/6/30</a:t>
+              <a:t>2016/7/1</a:t>
             </a:fld>
             <a:endParaRPr kumimoji="1" lang="ja-JP" altLang="en-US"/>
           </a:p>
@@ -2448,7 +2454,7 @@
           <a:p>
             <a:fld id="{4D2CA88F-D701-4F7B-8396-4A6593E1761F}" type="datetimeFigureOut">
               <a:rPr kumimoji="1" lang="ja-JP" altLang="en-US" smtClean="0"/>
-              <a:t>2016/6/30</a:t>
+              <a:t>2016/7/1</a:t>
             </a:fld>
             <a:endParaRPr kumimoji="1" lang="ja-JP" altLang="en-US"/>
           </a:p>
@@ -2650,7 +2656,7 @@
           <a:p>
             <a:fld id="{4D2CA88F-D701-4F7B-8396-4A6593E1761F}" type="datetimeFigureOut">
               <a:rPr kumimoji="1" lang="ja-JP" altLang="en-US" smtClean="0"/>
-              <a:t>2016/6/30</a:t>
+              <a:t>2016/7/1</a:t>
             </a:fld>
             <a:endParaRPr kumimoji="1" lang="ja-JP" altLang="en-US"/>
           </a:p>
@@ -2862,7 +2868,7 @@
           <a:p>
             <a:fld id="{4D2CA88F-D701-4F7B-8396-4A6593E1761F}" type="datetimeFigureOut">
               <a:rPr kumimoji="1" lang="ja-JP" altLang="en-US" smtClean="0"/>
-              <a:t>2016/6/30</a:t>
+              <a:t>2016/7/1</a:t>
             </a:fld>
             <a:endParaRPr kumimoji="1" lang="ja-JP" altLang="en-US"/>
           </a:p>
@@ -3070,7 +3076,7 @@
           <a:p>
             <a:fld id="{4D2CA88F-D701-4F7B-8396-4A6593E1761F}" type="datetimeFigureOut">
               <a:rPr kumimoji="1" lang="ja-JP" altLang="en-US" smtClean="0"/>
-              <a:t>2016/6/30</a:t>
+              <a:t>2016/7/1</a:t>
             </a:fld>
             <a:endParaRPr kumimoji="1" lang="ja-JP" altLang="en-US"/>
           </a:p>
@@ -3317,7 +3323,7 @@
           <a:p>
             <a:fld id="{4D2CA88F-D701-4F7B-8396-4A6593E1761F}" type="datetimeFigureOut">
               <a:rPr kumimoji="1" lang="ja-JP" altLang="en-US" smtClean="0"/>
-              <a:t>2016/6/30</a:t>
+              <a:t>2016/7/1</a:t>
             </a:fld>
             <a:endParaRPr kumimoji="1" lang="ja-JP" altLang="en-US"/>
           </a:p>
@@ -3613,7 +3619,7 @@
           <a:p>
             <a:fld id="{4D2CA88F-D701-4F7B-8396-4A6593E1761F}" type="datetimeFigureOut">
               <a:rPr kumimoji="1" lang="ja-JP" altLang="en-US" smtClean="0"/>
-              <a:t>2016/6/30</a:t>
+              <a:t>2016/7/1</a:t>
             </a:fld>
             <a:endParaRPr kumimoji="1" lang="ja-JP" altLang="en-US"/>
           </a:p>
@@ -4051,7 +4057,7 @@
           <a:p>
             <a:fld id="{4D2CA88F-D701-4F7B-8396-4A6593E1761F}" type="datetimeFigureOut">
               <a:rPr kumimoji="1" lang="ja-JP" altLang="en-US" smtClean="0"/>
-              <a:t>2016/6/30</a:t>
+              <a:t>2016/7/1</a:t>
             </a:fld>
             <a:endParaRPr kumimoji="1" lang="ja-JP" altLang="en-US"/>
           </a:p>
@@ -4174,7 +4180,7 @@
           <a:p>
             <a:fld id="{4D2CA88F-D701-4F7B-8396-4A6593E1761F}" type="datetimeFigureOut">
               <a:rPr kumimoji="1" lang="ja-JP" altLang="en-US" smtClean="0"/>
-              <a:t>2016/6/30</a:t>
+              <a:t>2016/7/1</a:t>
             </a:fld>
             <a:endParaRPr kumimoji="1" lang="ja-JP" altLang="en-US"/>
           </a:p>
@@ -4269,7 +4275,7 @@
           <a:p>
             <a:fld id="{4D2CA88F-D701-4F7B-8396-4A6593E1761F}" type="datetimeFigureOut">
               <a:rPr kumimoji="1" lang="ja-JP" altLang="en-US" smtClean="0"/>
-              <a:t>2016/6/30</a:t>
+              <a:t>2016/7/1</a:t>
             </a:fld>
             <a:endParaRPr kumimoji="1" lang="ja-JP" altLang="en-US"/>
           </a:p>
@@ -4556,7 +4562,7 @@
           <a:p>
             <a:fld id="{4D2CA88F-D701-4F7B-8396-4A6593E1761F}" type="datetimeFigureOut">
               <a:rPr kumimoji="1" lang="ja-JP" altLang="en-US" smtClean="0"/>
-              <a:t>2016/6/30</a:t>
+              <a:t>2016/7/1</a:t>
             </a:fld>
             <a:endParaRPr kumimoji="1" lang="ja-JP" altLang="en-US"/>
           </a:p>
@@ -4819,7 +4825,7 @@
           <a:p>
             <a:fld id="{4D2CA88F-D701-4F7B-8396-4A6593E1761F}" type="datetimeFigureOut">
               <a:rPr kumimoji="1" lang="ja-JP" altLang="en-US" smtClean="0"/>
-              <a:t>2016/6/30</a:t>
+              <a:t>2016/7/1</a:t>
             </a:fld>
             <a:endParaRPr kumimoji="1" lang="ja-JP" altLang="en-US"/>
           </a:p>
@@ -5594,7 +5600,7 @@
           <a:p>
             <a:fld id="{4D2CA88F-D701-4F7B-8396-4A6593E1761F}" type="datetimeFigureOut">
               <a:rPr kumimoji="1" lang="ja-JP" altLang="en-US" smtClean="0"/>
-              <a:t>2016/6/30</a:t>
+              <a:t>2016/7/1</a:t>
             </a:fld>
             <a:endParaRPr kumimoji="1" lang="ja-JP" altLang="en-US"/>
           </a:p>
@@ -7501,7 +7507,23 @@
             </a:r>
             <a:r>
               <a:rPr kumimoji="1" lang="ja-JP" altLang="en-US" dirty="0" smtClean="0"/>
-              <a:t>をもとにしたソフトを自宅で動かしています</a:t>
+              <a:t>をもとにしたソフト</a:t>
+            </a:r>
+            <a:r>
+              <a:rPr kumimoji="1" lang="ja-JP" altLang="en-US" dirty="0" smtClean="0"/>
+              <a:t>を</a:t>
+            </a:r>
+            <a:r>
+              <a:rPr kumimoji="1" lang="ja-JP" altLang="en-US" b="1" dirty="0" smtClean="0"/>
+              <a:t>今</a:t>
+            </a:r>
+            <a:r>
+              <a:rPr kumimoji="1" lang="ja-JP" altLang="en-US" dirty="0" smtClean="0"/>
+              <a:t>自宅</a:t>
+            </a:r>
+            <a:r>
+              <a:rPr kumimoji="1" lang="ja-JP" altLang="en-US" dirty="0" smtClean="0"/>
+              <a:t>で動かしています</a:t>
             </a:r>
             <a:r>
               <a:rPr kumimoji="1" lang="en-US" altLang="ja-JP" dirty="0" smtClean="0"/>
@@ -7565,6 +7587,34 @@
               <a:rPr lang="en-US" altLang="ja-JP" dirty="0" smtClean="0"/>
               <a:t>…</a:t>
             </a:r>
+            <a:br>
+              <a:rPr lang="en-US" altLang="ja-JP" dirty="0" smtClean="0"/>
+            </a:br>
+            <a:r>
+              <a:rPr lang="en-US" altLang="ja-JP" dirty="0" smtClean="0"/>
+              <a:t>※22</a:t>
+            </a:r>
+            <a:r>
+              <a:rPr lang="ja-JP" altLang="en-US" dirty="0" smtClean="0"/>
+              <a:t>：</a:t>
+            </a:r>
+            <a:r>
+              <a:rPr lang="en-US" altLang="ja-JP" dirty="0" smtClean="0"/>
+              <a:t>45</a:t>
+            </a:r>
+            <a:r>
+              <a:rPr lang="ja-JP" altLang="en-US" dirty="0" smtClean="0"/>
+              <a:t>～</a:t>
+            </a:r>
+            <a:r>
+              <a:rPr lang="en-US" altLang="ja-JP" dirty="0" smtClean="0"/>
+              <a:t>23:00</a:t>
+            </a:r>
+            <a:r>
+              <a:rPr lang="ja-JP" altLang="en-US" dirty="0" smtClean="0"/>
+              <a:t>はメンテナンスのためいったん止めます</a:t>
+            </a:r>
+            <a:endParaRPr lang="en-US" altLang="ja-JP" dirty="0" smtClean="0"/>
           </a:p>
           <a:p>
             <a:r>
@@ -7573,7 +7623,41 @@
             </a:r>
             <a:r>
               <a:rPr kumimoji="1" lang="ja-JP" altLang="en-US" dirty="0" smtClean="0"/>
-              <a:t>を勉強しよう</a:t>
+              <a:t>を勉強</a:t>
+            </a:r>
+            <a:r>
+              <a:rPr kumimoji="1" lang="ja-JP" altLang="en-US" dirty="0" smtClean="0"/>
+              <a:t>しよう</a:t>
+            </a:r>
+            <a:endParaRPr kumimoji="1" lang="en-US" altLang="ja-JP" dirty="0" smtClean="0"/>
+          </a:p>
+          <a:p>
+            <a:r>
+              <a:rPr lang="en-US" altLang="ja-JP" dirty="0" smtClean="0"/>
+              <a:t>JSON</a:t>
+            </a:r>
+            <a:r>
+              <a:rPr lang="ja-JP" altLang="en-US" dirty="0" smtClean="0"/>
+              <a:t>に強いプログラマになろう</a:t>
+            </a:r>
+            <a:r>
+              <a:rPr lang="en-US" altLang="ja-JP" dirty="0" smtClean="0"/>
+              <a:t/>
+            </a:r>
+            <a:br>
+              <a:rPr lang="en-US" altLang="ja-JP" dirty="0" smtClean="0"/>
+            </a:br>
+            <a:r>
+              <a:rPr lang="ja-JP" altLang="en-US" dirty="0" smtClean="0"/>
+              <a:t>→今のとこ</a:t>
+            </a:r>
+            <a:r>
+              <a:rPr lang="en-US" altLang="ja-JP" dirty="0" smtClean="0"/>
+              <a:t>JSON</a:t>
+            </a:r>
+            <a:r>
+              <a:rPr lang="ja-JP" altLang="en-US" dirty="0" smtClean="0"/>
+              <a:t>シリアライズがうまくいっていないところあり</a:t>
             </a:r>
             <a:endParaRPr kumimoji="1" lang="en-US" altLang="ja-JP" dirty="0" smtClean="0"/>
           </a:p>
@@ -7607,6 +7691,125 @@
       </p:par>
     </p:tnLst>
   </p:timing>
+</p:sld>
+</file>
+
+<file path=ppt/slides/slide8.xml><?xml version="1.0" encoding="utf-8"?>
+<p:sld xmlns:a="http://schemas.openxmlformats.org/drawingml/2006/main" xmlns:r="http://schemas.openxmlformats.org/officeDocument/2006/relationships" xmlns:p="http://schemas.openxmlformats.org/presentationml/2006/main">
+  <p:cSld>
+    <p:spTree>
+      <p:nvGrpSpPr>
+        <p:cNvPr id="1" name=""/>
+        <p:cNvGrpSpPr/>
+        <p:nvPr/>
+      </p:nvGrpSpPr>
+      <p:grpSpPr>
+        <a:xfrm>
+          <a:off x="0" y="0"/>
+          <a:ext cx="0" cy="0"/>
+          <a:chOff x="0" y="0"/>
+          <a:chExt cx="0" cy="0"/>
+        </a:xfrm>
+      </p:grpSpPr>
+      <p:sp>
+        <p:nvSpPr>
+          <p:cNvPr id="2" name="タイトル 1"/>
+          <p:cNvSpPr>
+            <a:spLocks noGrp="1"/>
+          </p:cNvSpPr>
+          <p:nvPr>
+            <p:ph type="title"/>
+          </p:nvPr>
+        </p:nvSpPr>
+        <p:spPr/>
+        <p:txBody>
+          <a:bodyPr/>
+          <a:lstStyle/>
+          <a:p>
+            <a:r>
+              <a:rPr kumimoji="1" lang="ja-JP" altLang="en-US" dirty="0" smtClean="0"/>
+              <a:t>連絡先</a:t>
+            </a:r>
+            <a:endParaRPr kumimoji="1" lang="ja-JP" altLang="en-US" dirty="0"/>
+          </a:p>
+        </p:txBody>
+      </p:sp>
+      <p:sp>
+        <p:nvSpPr>
+          <p:cNvPr id="3" name="コンテンツ プレースホルダー 2"/>
+          <p:cNvSpPr>
+            <a:spLocks noGrp="1"/>
+          </p:cNvSpPr>
+          <p:nvPr>
+            <p:ph idx="1"/>
+          </p:nvPr>
+        </p:nvSpPr>
+        <p:spPr/>
+        <p:txBody>
+          <a:bodyPr/>
+          <a:lstStyle/>
+          <a:p>
+            <a:r>
+              <a:rPr kumimoji="1" lang="en-US" altLang="ja-JP" dirty="0" smtClean="0"/>
+              <a:t>Twitter:@</a:t>
+            </a:r>
+            <a:r>
+              <a:rPr lang="en-US" altLang="ja-JP" dirty="0" err="1" smtClean="0"/>
+              <a:t>frozr_ikaros</a:t>
+            </a:r>
+            <a:r>
+              <a:rPr lang="en-US" altLang="ja-JP" dirty="0" smtClean="0"/>
+              <a:t/>
+            </a:r>
+            <a:br>
+              <a:rPr lang="en-US" altLang="ja-JP" dirty="0" smtClean="0"/>
+            </a:br>
+            <a:r>
+              <a:rPr lang="ja-JP" altLang="en-US" dirty="0" smtClean="0"/>
+              <a:t>→感想とかアドバイスとかリプライしてくれると中の人が泣いて喜びます</a:t>
+            </a:r>
+            <a:endParaRPr lang="en-US" altLang="ja-JP" dirty="0" smtClean="0"/>
+          </a:p>
+          <a:p>
+            <a:r>
+              <a:rPr lang="ja-JP" altLang="en-US" dirty="0"/>
+              <a:t>質問</a:t>
+            </a:r>
+            <a:r>
+              <a:rPr lang="ja-JP" altLang="en-US" dirty="0" smtClean="0"/>
+              <a:t>ももちろん歓迎</a:t>
+            </a:r>
+            <a:r>
+              <a:rPr lang="en-US" altLang="ja-JP" smtClean="0"/>
+              <a:t/>
+            </a:r>
+            <a:br>
+              <a:rPr lang="en-US" altLang="ja-JP" smtClean="0"/>
+            </a:br>
+            <a:r>
+              <a:rPr lang="en-US" altLang="ja-JP" smtClean="0"/>
+              <a:t/>
+            </a:r>
+            <a:br>
+              <a:rPr lang="en-US" altLang="ja-JP" smtClean="0"/>
+            </a:br>
+            <a:endParaRPr lang="en-US" altLang="ja-JP" smtClean="0"/>
+          </a:p>
+          <a:p>
+            <a:endParaRPr lang="en-US" altLang="ja-JP" dirty="0" smtClean="0"/>
+          </a:p>
+        </p:txBody>
+      </p:sp>
+    </p:spTree>
+    <p:extLst>
+      <p:ext uri="{BB962C8B-B14F-4D97-AF65-F5344CB8AC3E}">
+        <p14:creationId xmlns:p14="http://schemas.microsoft.com/office/powerpoint/2010/main" val="4231404351"/>
+      </p:ext>
+    </p:extLst>
+  </p:cSld>
+  <p:clrMapOvr>
+    <a:masterClrMapping/>
+  </p:clrMapOvr>
 </p:sld>
 </file>
 
